--- a/Papers/SDN_IoT_Presentation.pptx
+++ b/Papers/SDN_IoT_Presentation.pptx
@@ -5,7 +5,7 @@
     <p:sldMasterId id="2147483660" r:id="rId1"/>
   </p:sldMasterIdLst>
   <p:notesMasterIdLst>
-    <p:notesMasterId r:id="rId8"/>
+    <p:notesMasterId r:id="rId10"/>
   </p:notesMasterIdLst>
   <p:sldIdLst>
     <p:sldId id="256" r:id="rId2"/>
@@ -14,6 +14,8 @@
     <p:sldId id="259" r:id="rId5"/>
     <p:sldId id="261" r:id="rId6"/>
     <p:sldId id="262" r:id="rId7"/>
+    <p:sldId id="264" r:id="rId8"/>
+    <p:sldId id="263" r:id="rId9"/>
   </p:sldIdLst>
   <p:sldSz cx="12192000" cy="6858000"/>
   <p:notesSz cx="6858000" cy="9144000"/>
@@ -112,7 +114,243 @@
       </a:defRPr>
     </a:lvl9pPr>
   </p:defaultTextStyle>
+  <p:extLst>
+    <p:ext uri="{EFAFB233-063F-42B5-8137-9DF3F51BA10A}">
+      <p15:sldGuideLst xmlns:p15="http://schemas.microsoft.com/office/powerpoint/2012/main"/>
+    </p:ext>
+  </p:extLst>
 </p:presentation>
+</file>
+
+<file path=ppt/revisionInfo.xml><?xml version="1.0" encoding="utf-8"?>
+<p1510:revInfo xmlns:a="http://schemas.openxmlformats.org/drawingml/2006/main" xmlns:r="http://schemas.openxmlformats.org/officeDocument/2006/relationships" xmlns:p1510="http://schemas.microsoft.com/office/powerpoint/2015/10/main">
+  <p1510:revLst>
+    <p1510:client id="{5EF30170-C908-43E9-A34C-8B5BEC42454E}" v="3" dt="2023-09-14T14:15:06.402"/>
+  </p1510:revLst>
+</p1510:revInfo>
+</file>
+
+<file path=ppt/changesInfos/changesInfo1.xml><?xml version="1.0" encoding="utf-8"?>
+<pc:chgInfo xmlns:a="http://schemas.openxmlformats.org/drawingml/2006/main" xmlns:r="http://schemas.openxmlformats.org/officeDocument/2006/relationships" xmlns:ac="http://schemas.microsoft.com/office/drawing/2013/main/command" xmlns:pc="http://schemas.microsoft.com/office/powerpoint/2013/main/command">
+  <pc:docChgLst>
+    <pc:chgData name="Chatzimiltis, Sotiris (PG/R - Comp Sci &amp; Elec Eng)" userId="1f0cf6d7-306e-43a6-92bc-0b2c306eb61b" providerId="ADAL" clId="{5EF30170-C908-43E9-A34C-8B5BEC42454E}"/>
+    <pc:docChg chg="undo custSel addSld modSld">
+      <pc:chgData name="Chatzimiltis, Sotiris (PG/R - Comp Sci &amp; Elec Eng)" userId="1f0cf6d7-306e-43a6-92bc-0b2c306eb61b" providerId="ADAL" clId="{5EF30170-C908-43E9-A34C-8B5BEC42454E}" dt="2023-09-14T14:45:15.122" v="2461" actId="20577"/>
+      <pc:docMkLst>
+        <pc:docMk/>
+      </pc:docMkLst>
+      <pc:sldChg chg="modSp mod modNotesTx">
+        <pc:chgData name="Chatzimiltis, Sotiris (PG/R - Comp Sci &amp; Elec Eng)" userId="1f0cf6d7-306e-43a6-92bc-0b2c306eb61b" providerId="ADAL" clId="{5EF30170-C908-43E9-A34C-8B5BEC42454E}" dt="2023-09-14T09:35:10.397" v="915" actId="255"/>
+        <pc:sldMkLst>
+          <pc:docMk/>
+          <pc:sldMk cId="1962885905" sldId="257"/>
+        </pc:sldMkLst>
+        <pc:spChg chg="mod">
+          <ac:chgData name="Chatzimiltis, Sotiris (PG/R - Comp Sci &amp; Elec Eng)" userId="1f0cf6d7-306e-43a6-92bc-0b2c306eb61b" providerId="ADAL" clId="{5EF30170-C908-43E9-A34C-8B5BEC42454E}" dt="2023-09-14T09:34:47.015" v="910" actId="27636"/>
+          <ac:spMkLst>
+            <pc:docMk/>
+            <pc:sldMk cId="1962885905" sldId="257"/>
+            <ac:spMk id="4" creationId="{E149928F-C685-C170-A817-1F1D2A54A0B8}"/>
+          </ac:spMkLst>
+        </pc:spChg>
+        <pc:spChg chg="mod">
+          <ac:chgData name="Chatzimiltis, Sotiris (PG/R - Comp Sci &amp; Elec Eng)" userId="1f0cf6d7-306e-43a6-92bc-0b2c306eb61b" providerId="ADAL" clId="{5EF30170-C908-43E9-A34C-8B5BEC42454E}" dt="2023-09-14T09:35:10.397" v="915" actId="255"/>
+          <ac:spMkLst>
+            <pc:docMk/>
+            <pc:sldMk cId="1962885905" sldId="257"/>
+            <ac:spMk id="10" creationId="{F5AFA81A-EA23-8A7A-6755-213860A57BB8}"/>
+          </ac:spMkLst>
+        </pc:spChg>
+        <pc:picChg chg="mod">
+          <ac:chgData name="Chatzimiltis, Sotiris (PG/R - Comp Sci &amp; Elec Eng)" userId="1f0cf6d7-306e-43a6-92bc-0b2c306eb61b" providerId="ADAL" clId="{5EF30170-C908-43E9-A34C-8B5BEC42454E}" dt="2023-09-14T09:01:49.908" v="0" actId="14100"/>
+          <ac:picMkLst>
+            <pc:docMk/>
+            <pc:sldMk cId="1962885905" sldId="257"/>
+            <ac:picMk id="9" creationId="{42CFEAF3-1DF1-4C3A-3B1C-A85CEF3EF565}"/>
+          </ac:picMkLst>
+        </pc:picChg>
+      </pc:sldChg>
+      <pc:sldChg chg="modSp mod modNotesTx">
+        <pc:chgData name="Chatzimiltis, Sotiris (PG/R - Comp Sci &amp; Elec Eng)" userId="1f0cf6d7-306e-43a6-92bc-0b2c306eb61b" providerId="ADAL" clId="{5EF30170-C908-43E9-A34C-8B5BEC42454E}" dt="2023-09-14T09:35:31.799" v="917" actId="2711"/>
+        <pc:sldMkLst>
+          <pc:docMk/>
+          <pc:sldMk cId="2454437355" sldId="258"/>
+        </pc:sldMkLst>
+        <pc:spChg chg="mod">
+          <ac:chgData name="Chatzimiltis, Sotiris (PG/R - Comp Sci &amp; Elec Eng)" userId="1f0cf6d7-306e-43a6-92bc-0b2c306eb61b" providerId="ADAL" clId="{5EF30170-C908-43E9-A34C-8B5BEC42454E}" dt="2023-09-14T09:35:31.799" v="917" actId="2711"/>
+          <ac:spMkLst>
+            <pc:docMk/>
+            <pc:sldMk cId="2454437355" sldId="258"/>
+            <ac:spMk id="3" creationId="{41E2C735-90C9-0283-00CF-408E11FC8D27}"/>
+          </ac:spMkLst>
+        </pc:spChg>
+      </pc:sldChg>
+      <pc:sldChg chg="addSp delSp modSp mod modClrScheme chgLayout">
+        <pc:chgData name="Chatzimiltis, Sotiris (PG/R - Comp Sci &amp; Elec Eng)" userId="1f0cf6d7-306e-43a6-92bc-0b2c306eb61b" providerId="ADAL" clId="{5EF30170-C908-43E9-A34C-8B5BEC42454E}" dt="2023-09-14T09:51:23.324" v="1365" actId="33524"/>
+        <pc:sldMkLst>
+          <pc:docMk/>
+          <pc:sldMk cId="2211053819" sldId="259"/>
+        </pc:sldMkLst>
+        <pc:spChg chg="mod">
+          <ac:chgData name="Chatzimiltis, Sotiris (PG/R - Comp Sci &amp; Elec Eng)" userId="1f0cf6d7-306e-43a6-92bc-0b2c306eb61b" providerId="ADAL" clId="{5EF30170-C908-43E9-A34C-8B5BEC42454E}" dt="2023-09-14T09:37:35.240" v="933" actId="26606"/>
+          <ac:spMkLst>
+            <pc:docMk/>
+            <pc:sldMk cId="2211053819" sldId="259"/>
+            <ac:spMk id="2" creationId="{0B4DE4F6-36D5-B48C-F712-E0BB2CFB0790}"/>
+          </ac:spMkLst>
+        </pc:spChg>
+        <pc:spChg chg="mod">
+          <ac:chgData name="Chatzimiltis, Sotiris (PG/R - Comp Sci &amp; Elec Eng)" userId="1f0cf6d7-306e-43a6-92bc-0b2c306eb61b" providerId="ADAL" clId="{5EF30170-C908-43E9-A34C-8B5BEC42454E}" dt="2023-09-14T09:51:23.324" v="1365" actId="33524"/>
+          <ac:spMkLst>
+            <pc:docMk/>
+            <pc:sldMk cId="2211053819" sldId="259"/>
+            <ac:spMk id="3" creationId="{504433E9-D650-0182-3C61-6B847E467FF5}"/>
+          </ac:spMkLst>
+        </pc:spChg>
+        <pc:spChg chg="mod">
+          <ac:chgData name="Chatzimiltis, Sotiris (PG/R - Comp Sci &amp; Elec Eng)" userId="1f0cf6d7-306e-43a6-92bc-0b2c306eb61b" providerId="ADAL" clId="{5EF30170-C908-43E9-A34C-8B5BEC42454E}" dt="2023-09-14T09:37:35.240" v="933" actId="26606"/>
+          <ac:spMkLst>
+            <pc:docMk/>
+            <pc:sldMk cId="2211053819" sldId="259"/>
+            <ac:spMk id="4" creationId="{9A9D620F-D94B-C7A9-F6E7-F7C66DF4C201}"/>
+          </ac:spMkLst>
+        </pc:spChg>
+        <pc:picChg chg="del">
+          <ac:chgData name="Chatzimiltis, Sotiris (PG/R - Comp Sci &amp; Elec Eng)" userId="1f0cf6d7-306e-43a6-92bc-0b2c306eb61b" providerId="ADAL" clId="{5EF30170-C908-43E9-A34C-8B5BEC42454E}" dt="2023-09-14T09:37:29.099" v="928" actId="478"/>
+          <ac:picMkLst>
+            <pc:docMk/>
+            <pc:sldMk cId="2211053819" sldId="259"/>
+            <ac:picMk id="6" creationId="{45EEC1E6-9EBB-B1D8-D7A8-ED83F089CE1B}"/>
+          </ac:picMkLst>
+        </pc:picChg>
+        <pc:picChg chg="add del mod">
+          <ac:chgData name="Chatzimiltis, Sotiris (PG/R - Comp Sci &amp; Elec Eng)" userId="1f0cf6d7-306e-43a6-92bc-0b2c306eb61b" providerId="ADAL" clId="{5EF30170-C908-43E9-A34C-8B5BEC42454E}" dt="2023-09-14T09:51:02.399" v="1360" actId="478"/>
+          <ac:picMkLst>
+            <pc:docMk/>
+            <pc:sldMk cId="2211053819" sldId="259"/>
+            <ac:picMk id="7" creationId="{AC12226B-65FE-BFB9-3B4E-97F121FB6AAC}"/>
+          </ac:picMkLst>
+        </pc:picChg>
+        <pc:picChg chg="add mod">
+          <ac:chgData name="Chatzimiltis, Sotiris (PG/R - Comp Sci &amp; Elec Eng)" userId="1f0cf6d7-306e-43a6-92bc-0b2c306eb61b" providerId="ADAL" clId="{5EF30170-C908-43E9-A34C-8B5BEC42454E}" dt="2023-09-14T09:51:13.926" v="1362" actId="26606"/>
+          <ac:picMkLst>
+            <pc:docMk/>
+            <pc:sldMk cId="2211053819" sldId="259"/>
+            <ac:picMk id="9" creationId="{84269947-9428-FE87-7BD5-296002E99219}"/>
+          </ac:picMkLst>
+        </pc:picChg>
+      </pc:sldChg>
+      <pc:sldChg chg="modSp mod modNotesTx">
+        <pc:chgData name="Chatzimiltis, Sotiris (PG/R - Comp Sci &amp; Elec Eng)" userId="1f0cf6d7-306e-43a6-92bc-0b2c306eb61b" providerId="ADAL" clId="{5EF30170-C908-43E9-A34C-8B5BEC42454E}" dt="2023-09-14T13:36:04.660" v="1956" actId="20577"/>
+        <pc:sldMkLst>
+          <pc:docMk/>
+          <pc:sldMk cId="3757020286" sldId="261"/>
+        </pc:sldMkLst>
+        <pc:spChg chg="mod">
+          <ac:chgData name="Chatzimiltis, Sotiris (PG/R - Comp Sci &amp; Elec Eng)" userId="1f0cf6d7-306e-43a6-92bc-0b2c306eb61b" providerId="ADAL" clId="{5EF30170-C908-43E9-A34C-8B5BEC42454E}" dt="2023-09-14T13:36:04.660" v="1956" actId="20577"/>
+          <ac:spMkLst>
+            <pc:docMk/>
+            <pc:sldMk cId="3757020286" sldId="261"/>
+            <ac:spMk id="3" creationId="{6F15DE90-4C0A-3BC2-FB79-B81B33B0DDF6}"/>
+          </ac:spMkLst>
+        </pc:spChg>
+        <pc:spChg chg="mod">
+          <ac:chgData name="Chatzimiltis, Sotiris (PG/R - Comp Sci &amp; Elec Eng)" userId="1f0cf6d7-306e-43a6-92bc-0b2c306eb61b" providerId="ADAL" clId="{5EF30170-C908-43E9-A34C-8B5BEC42454E}" dt="2023-09-14T09:23:07.703" v="541" actId="20577"/>
+          <ac:spMkLst>
+            <pc:docMk/>
+            <pc:sldMk cId="3757020286" sldId="261"/>
+            <ac:spMk id="4" creationId="{3297870D-5633-4011-957A-D44938E1ED3C}"/>
+          </ac:spMkLst>
+        </pc:spChg>
+      </pc:sldChg>
+      <pc:sldChg chg="modSp mod">
+        <pc:chgData name="Chatzimiltis, Sotiris (PG/R - Comp Sci &amp; Elec Eng)" userId="1f0cf6d7-306e-43a6-92bc-0b2c306eb61b" providerId="ADAL" clId="{5EF30170-C908-43E9-A34C-8B5BEC42454E}" dt="2023-09-14T14:15:18.771" v="2406" actId="20577"/>
+        <pc:sldMkLst>
+          <pc:docMk/>
+          <pc:sldMk cId="506051042" sldId="262"/>
+        </pc:sldMkLst>
+        <pc:spChg chg="mod">
+          <ac:chgData name="Chatzimiltis, Sotiris (PG/R - Comp Sci &amp; Elec Eng)" userId="1f0cf6d7-306e-43a6-92bc-0b2c306eb61b" providerId="ADAL" clId="{5EF30170-C908-43E9-A34C-8B5BEC42454E}" dt="2023-09-14T14:15:18.771" v="2406" actId="20577"/>
+          <ac:spMkLst>
+            <pc:docMk/>
+            <pc:sldMk cId="506051042" sldId="262"/>
+            <ac:spMk id="3" creationId="{1F3D86D1-A1BB-613A-11BE-9C5334C31935}"/>
+          </ac:spMkLst>
+        </pc:spChg>
+        <pc:spChg chg="mod">
+          <ac:chgData name="Chatzimiltis, Sotiris (PG/R - Comp Sci &amp; Elec Eng)" userId="1f0cf6d7-306e-43a6-92bc-0b2c306eb61b" providerId="ADAL" clId="{5EF30170-C908-43E9-A34C-8B5BEC42454E}" dt="2023-09-14T09:23:20.842" v="561" actId="20577"/>
+          <ac:spMkLst>
+            <pc:docMk/>
+            <pc:sldMk cId="506051042" sldId="262"/>
+            <ac:spMk id="4" creationId="{E7F0B090-C9F7-EB85-CF39-ED02D635BE10}"/>
+          </ac:spMkLst>
+        </pc:spChg>
+      </pc:sldChg>
+      <pc:sldChg chg="delSp new mod modClrScheme chgLayout">
+        <pc:chgData name="Chatzimiltis, Sotiris (PG/R - Comp Sci &amp; Elec Eng)" userId="1f0cf6d7-306e-43a6-92bc-0b2c306eb61b" providerId="ADAL" clId="{5EF30170-C908-43E9-A34C-8B5BEC42454E}" dt="2023-09-14T09:38:09.994" v="936" actId="26606"/>
+        <pc:sldMkLst>
+          <pc:docMk/>
+          <pc:sldMk cId="3907974851" sldId="263"/>
+        </pc:sldMkLst>
+        <pc:spChg chg="del">
+          <ac:chgData name="Chatzimiltis, Sotiris (PG/R - Comp Sci &amp; Elec Eng)" userId="1f0cf6d7-306e-43a6-92bc-0b2c306eb61b" providerId="ADAL" clId="{5EF30170-C908-43E9-A34C-8B5BEC42454E}" dt="2023-09-14T09:38:09.994" v="936" actId="26606"/>
+          <ac:spMkLst>
+            <pc:docMk/>
+            <pc:sldMk cId="3907974851" sldId="263"/>
+            <ac:spMk id="2" creationId="{80F83C12-A2F5-8F09-4681-23BB7EA70D23}"/>
+          </ac:spMkLst>
+        </pc:spChg>
+        <pc:spChg chg="del">
+          <ac:chgData name="Chatzimiltis, Sotiris (PG/R - Comp Sci &amp; Elec Eng)" userId="1f0cf6d7-306e-43a6-92bc-0b2c306eb61b" providerId="ADAL" clId="{5EF30170-C908-43E9-A34C-8B5BEC42454E}" dt="2023-09-14T09:38:09.994" v="936" actId="26606"/>
+          <ac:spMkLst>
+            <pc:docMk/>
+            <pc:sldMk cId="3907974851" sldId="263"/>
+            <ac:spMk id="3" creationId="{400C5AA4-D117-4DE2-09FC-1A6493E210F3}"/>
+          </ac:spMkLst>
+        </pc:spChg>
+        <pc:spChg chg="del">
+          <ac:chgData name="Chatzimiltis, Sotiris (PG/R - Comp Sci &amp; Elec Eng)" userId="1f0cf6d7-306e-43a6-92bc-0b2c306eb61b" providerId="ADAL" clId="{5EF30170-C908-43E9-A34C-8B5BEC42454E}" dt="2023-09-14T09:38:09.994" v="936" actId="26606"/>
+          <ac:spMkLst>
+            <pc:docMk/>
+            <pc:sldMk cId="3907974851" sldId="263"/>
+            <ac:spMk id="4" creationId="{AEAF8CE4-80EA-DAA2-4273-3AEA1B8E1246}"/>
+          </ac:spMkLst>
+        </pc:spChg>
+      </pc:sldChg>
+      <pc:sldChg chg="modSp new mod">
+        <pc:chgData name="Chatzimiltis, Sotiris (PG/R - Comp Sci &amp; Elec Eng)" userId="1f0cf6d7-306e-43a6-92bc-0b2c306eb61b" providerId="ADAL" clId="{5EF30170-C908-43E9-A34C-8B5BEC42454E}" dt="2023-09-14T14:45:15.122" v="2461" actId="20577"/>
+        <pc:sldMkLst>
+          <pc:docMk/>
+          <pc:sldMk cId="69243448" sldId="264"/>
+        </pc:sldMkLst>
+        <pc:spChg chg="mod">
+          <ac:chgData name="Chatzimiltis, Sotiris (PG/R - Comp Sci &amp; Elec Eng)" userId="1f0cf6d7-306e-43a6-92bc-0b2c306eb61b" providerId="ADAL" clId="{5EF30170-C908-43E9-A34C-8B5BEC42454E}" dt="2023-09-14T09:53:03.212" v="1478" actId="20577"/>
+          <ac:spMkLst>
+            <pc:docMk/>
+            <pc:sldMk cId="69243448" sldId="264"/>
+            <ac:spMk id="2" creationId="{E5E5AE1D-0474-C891-9E17-E55155EDBB03}"/>
+          </ac:spMkLst>
+        </pc:spChg>
+        <pc:spChg chg="mod">
+          <ac:chgData name="Chatzimiltis, Sotiris (PG/R - Comp Sci &amp; Elec Eng)" userId="1f0cf6d7-306e-43a6-92bc-0b2c306eb61b" providerId="ADAL" clId="{5EF30170-C908-43E9-A34C-8B5BEC42454E}" dt="2023-09-14T14:45:15.122" v="2461" actId="20577"/>
+          <ac:spMkLst>
+            <pc:docMk/>
+            <pc:sldMk cId="69243448" sldId="264"/>
+            <ac:spMk id="3" creationId="{0DE36206-C095-8FA9-B29D-F80324CAB782}"/>
+          </ac:spMkLst>
+        </pc:spChg>
+        <pc:spChg chg="mod">
+          <ac:chgData name="Chatzimiltis, Sotiris (PG/R - Comp Sci &amp; Elec Eng)" userId="1f0cf6d7-306e-43a6-92bc-0b2c306eb61b" providerId="ADAL" clId="{5EF30170-C908-43E9-A34C-8B5BEC42454E}" dt="2023-09-14T09:52:51.694" v="1459" actId="20577"/>
+          <ac:spMkLst>
+            <pc:docMk/>
+            <pc:sldMk cId="69243448" sldId="264"/>
+            <ac:spMk id="4" creationId="{BC27AEED-85EC-BA1B-CBE6-65D195F48983}"/>
+          </ac:spMkLst>
+        </pc:spChg>
+      </pc:sldChg>
+    </pc:docChg>
+  </pc:docChgLst>
+</pc:chgInfo>
 </file>
 
 <file path=ppt/notesMasters/notesMaster1.xml><?xml version="1.0" encoding="utf-8"?>
@@ -197,7 +435,7 @@
           <a:p>
             <a:fld id="{33C80C88-8B68-4939-A751-187F5E70C95C}" type="datetimeFigureOut">
               <a:rPr lang="en-CY" smtClean="0"/>
-              <a:t>13/09/2023</a:t>
+              <a:t>09/14/2023</a:t>
             </a:fld>
             <a:endParaRPr lang="en-CY"/>
           </a:p>
@@ -510,16 +748,9 @@
           <a:lstStyle/>
           <a:p>
             <a:r>
-              <a:rPr lang="en-US" dirty="0"/>
-              <a:t>Main Idea is the same but depending on the IDS what the final task is. </a:t>
-            </a:r>
-          </a:p>
-          <a:p>
-            <a:r>
-              <a:rPr lang="en-US" dirty="0"/>
-              <a:t>Furthermore, a Signature-Based IDS can be appended in the beginning to boost performance. </a:t>
-            </a:r>
-            <a:endParaRPr lang="en-CY" dirty="0"/>
+              <a:rPr lang="en-GB" dirty="0"/>
+              <a:t>Depending on what we choose to use we are going to use an appropriate architecture.</a:t>
+            </a:r>
           </a:p>
         </p:txBody>
       </p:sp>
@@ -540,7 +771,7 @@
           <a:p>
             <a:fld id="{14208D66-865D-46F7-B6E7-F2D80FA8504C}" type="slidenum">
               <a:rPr lang="en-CY" smtClean="0"/>
-              <a:t>3</a:t>
+              <a:t>2</a:t>
             </a:fld>
             <a:endParaRPr lang="en-CY"/>
           </a:p>
@@ -549,7 +780,7 @@
     </p:spTree>
     <p:extLst>
       <p:ext uri="{BB962C8B-B14F-4D97-AF65-F5344CB8AC3E}">
-        <p14:creationId xmlns:p14="http://schemas.microsoft.com/office/powerpoint/2010/main" val="2041023416"/>
+        <p14:creationId xmlns:p14="http://schemas.microsoft.com/office/powerpoint/2010/main" val="1632534294"/>
       </p:ext>
     </p:extLst>
   </p:cSld>
@@ -605,7 +836,13 @@
           <a:p>
             <a:r>
               <a:rPr lang="en-US" dirty="0"/>
-              <a:t>Finally depending on whether we go for an SDN-IDS or an SDNIoT-IDS we are going to adapt and create the appropriate architecture.</a:t>
+              <a:t>Main idea to develop an IDS is the same but depending on the final task the IDS get modified. </a:t>
+            </a:r>
+          </a:p>
+          <a:p>
+            <a:r>
+              <a:rPr lang="en-US" dirty="0"/>
+              <a:t>**Furthermore, a Signature-Based IDS can be appended in the beginning to boost performance.**</a:t>
             </a:r>
             <a:endParaRPr lang="en-CY" dirty="0"/>
           </a:p>
@@ -628,7 +865,7 @@
           <a:p>
             <a:fld id="{14208D66-865D-46F7-B6E7-F2D80FA8504C}" type="slidenum">
               <a:rPr lang="en-CY" smtClean="0"/>
-              <a:t>4</a:t>
+              <a:t>3</a:t>
             </a:fld>
             <a:endParaRPr lang="en-CY"/>
           </a:p>
@@ -637,7 +874,7 @@
     </p:spTree>
     <p:extLst>
       <p:ext uri="{BB962C8B-B14F-4D97-AF65-F5344CB8AC3E}">
-        <p14:creationId xmlns:p14="http://schemas.microsoft.com/office/powerpoint/2010/main" val="3259710938"/>
+        <p14:creationId xmlns:p14="http://schemas.microsoft.com/office/powerpoint/2010/main" val="2041023416"/>
       </p:ext>
     </p:extLst>
   </p:cSld>
@@ -693,7 +930,7 @@
           <a:p>
             <a:r>
               <a:rPr lang="en-US" dirty="0"/>
-              <a:t>Before starting the literature review it needs to be mentioned that multiple works have created a virtual SDN using Mininet and Ryu controller. However, there are other papers that didn’t. </a:t>
+              <a:t>Finally depending on whether we go for an SDN-IDS or an SDNIoT-IDS we are going to adapt and create the appropriate architecture.</a:t>
             </a:r>
             <a:endParaRPr lang="en-CY" dirty="0"/>
           </a:p>
@@ -716,7 +953,7 @@
           <a:p>
             <a:fld id="{14208D66-865D-46F7-B6E7-F2D80FA8504C}" type="slidenum">
               <a:rPr lang="en-CY" smtClean="0"/>
-              <a:t>5</a:t>
+              <a:t>4</a:t>
             </a:fld>
             <a:endParaRPr lang="en-CY"/>
           </a:p>
@@ -725,7 +962,7 @@
     </p:spTree>
     <p:extLst>
       <p:ext uri="{BB962C8B-B14F-4D97-AF65-F5344CB8AC3E}">
-        <p14:creationId xmlns:p14="http://schemas.microsoft.com/office/powerpoint/2010/main" val="1063439600"/>
+        <p14:creationId xmlns:p14="http://schemas.microsoft.com/office/powerpoint/2010/main" val="3259710938"/>
       </p:ext>
     </p:extLst>
   </p:cSld>
@@ -781,6 +1018,136 @@
           <a:p>
             <a:r>
               <a:rPr lang="en-US" dirty="0"/>
+              <a:t>There are multiple papers that developed an SDN-IDS.</a:t>
+            </a:r>
+          </a:p>
+          <a:p>
+            <a:r>
+              <a:rPr lang="en-US" dirty="0"/>
+              <a:t>Papers usually did a feature selection or feature extraction to select features that can be easily obtained in an SDN network. </a:t>
+            </a:r>
+          </a:p>
+          <a:p>
+            <a:r>
+              <a:rPr lang="en-US" dirty="0"/>
+              <a:t>Finally, there are multiple works that created a virtual SDN using Mininet and Ryu controller. </a:t>
+            </a:r>
+          </a:p>
+          <a:p>
+            <a:r>
+              <a:rPr lang="en-US" dirty="0"/>
+              <a:t>References: </a:t>
+            </a:r>
+          </a:p>
+          <a:p>
+            <a:r>
+              <a:rPr lang="en-US" dirty="0"/>
+              <a:t>1) </a:t>
+            </a:r>
+          </a:p>
+          <a:p>
+            <a:r>
+              <a:rPr lang="en-US" dirty="0"/>
+              <a:t>2)</a:t>
+            </a:r>
+          </a:p>
+          <a:p>
+            <a:r>
+              <a:rPr lang="en-US" dirty="0"/>
+              <a:t>3)</a:t>
+            </a:r>
+          </a:p>
+          <a:p>
+            <a:r>
+              <a:rPr lang="en-US" dirty="0"/>
+              <a:t>4) https://ieeexplore.ieee.org/abstract/document/8362796</a:t>
+            </a:r>
+            <a:endParaRPr lang="en-CY" dirty="0"/>
+          </a:p>
+        </p:txBody>
+      </p:sp>
+      <p:sp>
+        <p:nvSpPr>
+          <p:cNvPr id="4" name="Slide Number Placeholder 3"/>
+          <p:cNvSpPr>
+            <a:spLocks noGrp="1"/>
+          </p:cNvSpPr>
+          <p:nvPr>
+            <p:ph type="sldNum" sz="quarter" idx="5"/>
+          </p:nvPr>
+        </p:nvSpPr>
+        <p:spPr/>
+        <p:txBody>
+          <a:bodyPr/>
+          <a:lstStyle/>
+          <a:p>
+            <a:fld id="{14208D66-865D-46F7-B6E7-F2D80FA8504C}" type="slidenum">
+              <a:rPr lang="en-CY" smtClean="0"/>
+              <a:t>5</a:t>
+            </a:fld>
+            <a:endParaRPr lang="en-CY"/>
+          </a:p>
+        </p:txBody>
+      </p:sp>
+    </p:spTree>
+    <p:extLst>
+      <p:ext uri="{BB962C8B-B14F-4D97-AF65-F5344CB8AC3E}">
+        <p14:creationId xmlns:p14="http://schemas.microsoft.com/office/powerpoint/2010/main" val="1063439600"/>
+      </p:ext>
+    </p:extLst>
+  </p:cSld>
+  <p:clrMapOvr>
+    <a:masterClrMapping/>
+  </p:clrMapOvr>
+</p:notes>
+</file>
+
+<file path=ppt/notesSlides/notesSlide5.xml><?xml version="1.0" encoding="utf-8"?>
+<p:notes xmlns:a="http://schemas.openxmlformats.org/drawingml/2006/main" xmlns:r="http://schemas.openxmlformats.org/officeDocument/2006/relationships" xmlns:p="http://schemas.openxmlformats.org/presentationml/2006/main">
+  <p:cSld>
+    <p:spTree>
+      <p:nvGrpSpPr>
+        <p:cNvPr id="1" name=""/>
+        <p:cNvGrpSpPr/>
+        <p:nvPr/>
+      </p:nvGrpSpPr>
+      <p:grpSpPr>
+        <a:xfrm>
+          <a:off x="0" y="0"/>
+          <a:ext cx="0" cy="0"/>
+          <a:chOff x="0" y="0"/>
+          <a:chExt cx="0" cy="0"/>
+        </a:xfrm>
+      </p:grpSpPr>
+      <p:sp>
+        <p:nvSpPr>
+          <p:cNvPr id="2" name="Slide Image Placeholder 1"/>
+          <p:cNvSpPr>
+            <a:spLocks noGrp="1" noRot="1" noChangeAspect="1"/>
+          </p:cNvSpPr>
+          <p:nvPr>
+            <p:ph type="sldImg"/>
+          </p:nvPr>
+        </p:nvSpPr>
+        <p:spPr/>
+      </p:sp>
+      <p:sp>
+        <p:nvSpPr>
+          <p:cNvPr id="3" name="Notes Placeholder 2"/>
+          <p:cNvSpPr>
+            <a:spLocks noGrp="1"/>
+          </p:cNvSpPr>
+          <p:nvPr>
+            <p:ph type="body" idx="1"/>
+          </p:nvPr>
+        </p:nvSpPr>
+        <p:spPr/>
+        <p:txBody>
+          <a:bodyPr/>
+          <a:lstStyle/>
+          <a:p>
+            <a:r>
+              <a:rPr lang="en-US" dirty="0"/>
               <a:t>cuLSTMGRUs: </a:t>
             </a:r>
             <a:r>
@@ -826,6 +1193,90 @@
     <p:extLst>
       <p:ext uri="{BB962C8B-B14F-4D97-AF65-F5344CB8AC3E}">
         <p14:creationId xmlns:p14="http://schemas.microsoft.com/office/powerpoint/2010/main" val="3581048031"/>
+      </p:ext>
+    </p:extLst>
+  </p:cSld>
+  <p:clrMapOvr>
+    <a:masterClrMapping/>
+  </p:clrMapOvr>
+</p:notes>
+</file>
+
+<file path=ppt/notesSlides/notesSlide6.xml><?xml version="1.0" encoding="utf-8"?>
+<p:notes xmlns:a="http://schemas.openxmlformats.org/drawingml/2006/main" xmlns:r="http://schemas.openxmlformats.org/officeDocument/2006/relationships" xmlns:p="http://schemas.openxmlformats.org/presentationml/2006/main">
+  <p:cSld>
+    <p:spTree>
+      <p:nvGrpSpPr>
+        <p:cNvPr id="1" name=""/>
+        <p:cNvGrpSpPr/>
+        <p:nvPr/>
+      </p:nvGrpSpPr>
+      <p:grpSpPr>
+        <a:xfrm>
+          <a:off x="0" y="0"/>
+          <a:ext cx="0" cy="0"/>
+          <a:chOff x="0" y="0"/>
+          <a:chExt cx="0" cy="0"/>
+        </a:xfrm>
+      </p:grpSpPr>
+      <p:sp>
+        <p:nvSpPr>
+          <p:cNvPr id="2" name="Slide Image Placeholder 1"/>
+          <p:cNvSpPr>
+            <a:spLocks noGrp="1" noRot="1" noChangeAspect="1"/>
+          </p:cNvSpPr>
+          <p:nvPr>
+            <p:ph type="sldImg"/>
+          </p:nvPr>
+        </p:nvSpPr>
+        <p:spPr/>
+      </p:sp>
+      <p:sp>
+        <p:nvSpPr>
+          <p:cNvPr id="3" name="Notes Placeholder 2"/>
+          <p:cNvSpPr>
+            <a:spLocks noGrp="1"/>
+          </p:cNvSpPr>
+          <p:nvPr>
+            <p:ph type="body" idx="1"/>
+          </p:nvPr>
+        </p:nvSpPr>
+        <p:spPr/>
+        <p:txBody>
+          <a:bodyPr/>
+          <a:lstStyle/>
+          <a:p>
+            <a:endParaRPr lang="en-GB" dirty="0"/>
+          </a:p>
+        </p:txBody>
+      </p:sp>
+      <p:sp>
+        <p:nvSpPr>
+          <p:cNvPr id="4" name="Slide Number Placeholder 3"/>
+          <p:cNvSpPr>
+            <a:spLocks noGrp="1"/>
+          </p:cNvSpPr>
+          <p:nvPr>
+            <p:ph type="sldNum" sz="quarter" idx="5"/>
+          </p:nvPr>
+        </p:nvSpPr>
+        <p:spPr/>
+        <p:txBody>
+          <a:bodyPr/>
+          <a:lstStyle/>
+          <a:p>
+            <a:fld id="{14208D66-865D-46F7-B6E7-F2D80FA8504C}" type="slidenum">
+              <a:rPr lang="en-CY" smtClean="0"/>
+              <a:t>7</a:t>
+            </a:fld>
+            <a:endParaRPr lang="en-CY"/>
+          </a:p>
+        </p:txBody>
+      </p:sp>
+    </p:spTree>
+    <p:extLst>
+      <p:ext uri="{BB962C8B-B14F-4D97-AF65-F5344CB8AC3E}">
+        <p14:creationId xmlns:p14="http://schemas.microsoft.com/office/powerpoint/2010/main" val="4290978831"/>
       </p:ext>
     </p:extLst>
   </p:cSld>
@@ -1152,7 +1603,7 @@
           <a:p>
             <a:fld id="{67B23DE0-8107-45A8-B051-F74F795C7ED0}" type="datetimeFigureOut">
               <a:rPr lang="en-CY" smtClean="0"/>
-              <a:t>13/09/2023</a:t>
+              <a:t>09/14/2023</a:t>
             </a:fld>
             <a:endParaRPr lang="en-CY"/>
           </a:p>
@@ -1621,7 +2072,7 @@
           <a:p>
             <a:fld id="{67B23DE0-8107-45A8-B051-F74F795C7ED0}" type="datetimeFigureOut">
               <a:rPr lang="en-CY" smtClean="0"/>
-              <a:t>13/09/2023</a:t>
+              <a:t>09/14/2023</a:t>
             </a:fld>
             <a:endParaRPr lang="en-CY"/>
           </a:p>
@@ -2162,7 +2613,7 @@
           <a:p>
             <a:fld id="{67B23DE0-8107-45A8-B051-F74F795C7ED0}" type="datetimeFigureOut">
               <a:rPr lang="en-CY" smtClean="0"/>
-              <a:t>13/09/2023</a:t>
+              <a:t>09/14/2023</a:t>
             </a:fld>
             <a:endParaRPr lang="en-CY"/>
           </a:p>
@@ -2738,7 +3189,7 @@
           <a:p>
             <a:fld id="{67B23DE0-8107-45A8-B051-F74F795C7ED0}" type="datetimeFigureOut">
               <a:rPr lang="en-CY" smtClean="0"/>
-              <a:t>13/09/2023</a:t>
+              <a:t>09/14/2023</a:t>
             </a:fld>
             <a:endParaRPr lang="en-CY"/>
           </a:p>
@@ -3384,7 +3835,7 @@
           <a:p>
             <a:fld id="{67B23DE0-8107-45A8-B051-F74F795C7ED0}" type="datetimeFigureOut">
               <a:rPr lang="en-CY" smtClean="0"/>
-              <a:t>13/09/2023</a:t>
+              <a:t>09/14/2023</a:t>
             </a:fld>
             <a:endParaRPr lang="en-CY"/>
           </a:p>
@@ -3960,7 +4411,7 @@
           <a:p>
             <a:fld id="{67B23DE0-8107-45A8-B051-F74F795C7ED0}" type="datetimeFigureOut">
               <a:rPr lang="en-CY" smtClean="0"/>
-              <a:t>13/09/2023</a:t>
+              <a:t>09/14/2023</a:t>
             </a:fld>
             <a:endParaRPr lang="en-CY"/>
           </a:p>
@@ -4606,7 +5057,7 @@
           <a:p>
             <a:fld id="{67B23DE0-8107-45A8-B051-F74F795C7ED0}" type="datetimeFigureOut">
               <a:rPr lang="en-CY" smtClean="0"/>
-              <a:t>13/09/2023</a:t>
+              <a:t>09/14/2023</a:t>
             </a:fld>
             <a:endParaRPr lang="en-CY"/>
           </a:p>
@@ -5280,7 +5731,7 @@
           <a:p>
             <a:fld id="{67B23DE0-8107-45A8-B051-F74F795C7ED0}" type="datetimeFigureOut">
               <a:rPr lang="en-CY" smtClean="0"/>
-              <a:t>13/09/2023</a:t>
+              <a:t>09/14/2023</a:t>
             </a:fld>
             <a:endParaRPr lang="en-CY"/>
           </a:p>
@@ -5441,7 +5892,7 @@
           <a:p>
             <a:fld id="{67B23DE0-8107-45A8-B051-F74F795C7ED0}" type="datetimeFigureOut">
               <a:rPr lang="en-CY" smtClean="0"/>
-              <a:t>13/09/2023</a:t>
+              <a:t>09/14/2023</a:t>
             </a:fld>
             <a:endParaRPr lang="en-CY"/>
           </a:p>
@@ -6011,12 +6462,14 @@
         </p:nvSpPr>
         <p:spPr>
           <a:xfrm>
-            <a:off x="609607" y="1600201"/>
-            <a:ext cx="5486394" cy="4525963"/>
-          </a:xfrm>
-        </p:spPr>
-        <p:txBody>
-          <a:bodyPr/>
+            <a:off x="609607" y="1600202"/>
+            <a:ext cx="5486394" cy="2262980"/>
+          </a:xfrm>
+        </p:spPr>
+        <p:txBody>
+          <a:bodyPr>
+            <a:normAutofit/>
+          </a:bodyPr>
           <a:lstStyle/>
           <a:p>
             <a:pPr marL="342900" indent="-342900">
@@ -6024,24 +6477,39 @@
               <a:buChar char="•"/>
             </a:pPr>
             <a:r>
-              <a:rPr lang="en-US" dirty="0"/>
+              <a:rPr lang="en-US" sz="2200" dirty="0">
+                <a:latin typeface="Times New Roman" panose="02020603050405020304" pitchFamily="18" charset="0"/>
+                <a:cs typeface="Times New Roman" panose="02020603050405020304" pitchFamily="18" charset="0"/>
+              </a:rPr>
               <a:t>1</a:t>
             </a:r>
             <a:r>
-              <a:rPr lang="en-US" baseline="30000" dirty="0"/>
+              <a:rPr lang="en-US" sz="2200" baseline="30000" dirty="0">
+                <a:latin typeface="Times New Roman" panose="02020603050405020304" pitchFamily="18" charset="0"/>
+                <a:cs typeface="Times New Roman" panose="02020603050405020304" pitchFamily="18" charset="0"/>
+              </a:rPr>
               <a:t>st</a:t>
             </a:r>
             <a:r>
-              <a:rPr lang="en-US" dirty="0"/>
+              <a:rPr lang="en-US" sz="2200" dirty="0">
+                <a:latin typeface="Times New Roman" panose="02020603050405020304" pitchFamily="18" charset="0"/>
+                <a:cs typeface="Times New Roman" panose="02020603050405020304" pitchFamily="18" charset="0"/>
+              </a:rPr>
               <a:t> Approach: Create an IDS to capture traffic and detect anomalies that may affect the normal function of the SDN. Deployed in the control plane.</a:t>
             </a:r>
           </a:p>
           <a:p>
-            <a:endParaRPr lang="en-US" dirty="0"/>
-          </a:p>
-          <a:p>
-            <a:r>
-              <a:rPr lang="en-US" dirty="0"/>
+            <a:endParaRPr lang="en-US" sz="2200" dirty="0">
+              <a:latin typeface="Times New Roman" panose="02020603050405020304" pitchFamily="18" charset="0"/>
+              <a:cs typeface="Times New Roman" panose="02020603050405020304" pitchFamily="18" charset="0"/>
+            </a:endParaRPr>
+          </a:p>
+          <a:p>
+            <a:r>
+              <a:rPr lang="en-US" sz="2200" dirty="0">
+                <a:latin typeface="Times New Roman" panose="02020603050405020304" pitchFamily="18" charset="0"/>
+                <a:cs typeface="Times New Roman" panose="02020603050405020304" pitchFamily="18" charset="0"/>
+              </a:rPr>
               <a:t>	</a:t>
             </a:r>
           </a:p>
@@ -6099,7 +6567,7 @@
         <p:spPr>
           <a:xfrm>
             <a:off x="6095999" y="1600200"/>
-            <a:ext cx="5486394" cy="4525963"/>
+            <a:ext cx="5486394" cy="2262981"/>
           </a:xfrm>
           <a:prstGeom prst="rect">
             <a:avLst/>
@@ -6107,7 +6575,7 @@
         </p:spPr>
         <p:txBody>
           <a:bodyPr vert="horz" lIns="91440" tIns="45720" rIns="91440" bIns="45720" rtlCol="0">
-            <a:normAutofit/>
+            <a:normAutofit fontScale="92500" lnSpcReduction="20000"/>
           </a:bodyPr>
           <a:lstStyle>
             <a:lvl1pPr marL="0" indent="0" algn="l" defTabSz="609585" rtl="0" eaLnBrk="1" latinLnBrk="0" hangingPunct="1">
@@ -6254,15 +6722,24 @@
               <a:buChar char="•"/>
             </a:pPr>
             <a:r>
-              <a:rPr lang="en-US" dirty="0"/>
+              <a:rPr lang="en-US" dirty="0">
+                <a:latin typeface="Times New Roman" panose="02020603050405020304" pitchFamily="18" charset="0"/>
+                <a:cs typeface="Times New Roman" panose="02020603050405020304" pitchFamily="18" charset="0"/>
+              </a:rPr>
               <a:t>2</a:t>
             </a:r>
             <a:r>
-              <a:rPr lang="en-US" baseline="30000" dirty="0"/>
+              <a:rPr lang="en-US" baseline="30000" dirty="0">
+                <a:latin typeface="Times New Roman" panose="02020603050405020304" pitchFamily="18" charset="0"/>
+                <a:cs typeface="Times New Roman" panose="02020603050405020304" pitchFamily="18" charset="0"/>
+              </a:rPr>
               <a:t>nd</a:t>
             </a:r>
             <a:r>
-              <a:rPr lang="en-US" dirty="0"/>
+              <a:rPr lang="en-US" dirty="0">
+                <a:latin typeface="Times New Roman" panose="02020603050405020304" pitchFamily="18" charset="0"/>
+                <a:cs typeface="Times New Roman" panose="02020603050405020304" pitchFamily="18" charset="0"/>
+              </a:rPr>
               <a:t> Approach: Implement an IDS to be deployed in the controller of the SDN to capture traffic to IoT devices. Detect anomalies through the traffic to maintain a normal function of the IoT devices.</a:t>
             </a:r>
           </a:p>
@@ -6271,11 +6748,17 @@
               <a:buFont typeface="Arial" panose="020B0604020202020204" pitchFamily="34" charset="0"/>
               <a:buChar char="•"/>
             </a:pPr>
-            <a:endParaRPr lang="en-US" dirty="0"/>
-          </a:p>
-          <a:p>
-            <a:r>
-              <a:rPr lang="en-US" dirty="0"/>
+            <a:endParaRPr lang="en-US" dirty="0">
+              <a:latin typeface="Times New Roman" panose="02020603050405020304" pitchFamily="18" charset="0"/>
+              <a:cs typeface="Times New Roman" panose="02020603050405020304" pitchFamily="18" charset="0"/>
+            </a:endParaRPr>
+          </a:p>
+          <a:p>
+            <a:r>
+              <a:rPr lang="en-US" dirty="0">
+                <a:latin typeface="Times New Roman" panose="02020603050405020304" pitchFamily="18" charset="0"/>
+                <a:cs typeface="Times New Roman" panose="02020603050405020304" pitchFamily="18" charset="0"/>
+              </a:rPr>
               <a:t>	</a:t>
             </a:r>
           </a:p>
@@ -6296,7 +6779,7 @@
           <p:nvPr/>
         </p:nvPicPr>
         <p:blipFill>
-          <a:blip r:embed="rId2"/>
+          <a:blip r:embed="rId3"/>
           <a:stretch>
             <a:fillRect/>
           </a:stretch>
@@ -6326,7 +6809,7 @@
           <p:nvPr/>
         </p:nvPicPr>
         <p:blipFill>
-          <a:blip r:embed="rId3"/>
+          <a:blip r:embed="rId4"/>
           <a:stretch>
             <a:fillRect/>
           </a:stretch>
@@ -6334,7 +6817,7 @@
         <p:spPr>
           <a:xfrm>
             <a:off x="1140431" y="3507527"/>
-            <a:ext cx="3853182" cy="3122284"/>
+            <a:ext cx="3786676" cy="3068393"/>
           </a:xfrm>
           <a:prstGeom prst="rect">
             <a:avLst/>
@@ -6418,7 +6901,12 @@
             <p:ph idx="1"/>
           </p:nvPr>
         </p:nvSpPr>
-        <p:spPr/>
+        <p:spPr>
+          <a:xfrm>
+            <a:off x="609607" y="1600201"/>
+            <a:ext cx="4390430" cy="4525963"/>
+          </a:xfrm>
+        </p:spPr>
         <p:txBody>
           <a:bodyPr/>
           <a:lstStyle/>
@@ -6428,7 +6916,10 @@
               <a:buChar char="•"/>
             </a:pPr>
             <a:r>
-              <a:rPr lang="en-US" dirty="0"/>
+              <a:rPr lang="en-US" dirty="0">
+                <a:latin typeface="Times New Roman" panose="02020603050405020304" pitchFamily="18" charset="0"/>
+                <a:cs typeface="Times New Roman" panose="02020603050405020304" pitchFamily="18" charset="0"/>
+              </a:rPr>
               <a:t>Capture Data Traffic</a:t>
             </a:r>
           </a:p>
@@ -6438,7 +6929,10 @@
               <a:buChar char="•"/>
             </a:pPr>
             <a:r>
-              <a:rPr lang="en-US" dirty="0"/>
+              <a:rPr lang="en-US" dirty="0">
+                <a:latin typeface="Times New Roman" panose="02020603050405020304" pitchFamily="18" charset="0"/>
+                <a:cs typeface="Times New Roman" panose="02020603050405020304" pitchFamily="18" charset="0"/>
+              </a:rPr>
               <a:t>Process/Parse Data Traffic</a:t>
             </a:r>
           </a:p>
@@ -6448,7 +6942,10 @@
               <a:buChar char="•"/>
             </a:pPr>
             <a:r>
-              <a:rPr lang="en-US" dirty="0"/>
+              <a:rPr lang="en-US" dirty="0">
+                <a:latin typeface="Times New Roman" panose="02020603050405020304" pitchFamily="18" charset="0"/>
+                <a:cs typeface="Times New Roman" panose="02020603050405020304" pitchFamily="18" charset="0"/>
+              </a:rPr>
               <a:t>Feature Selection/Extraction</a:t>
             </a:r>
           </a:p>
@@ -6458,7 +6955,10 @@
               <a:buChar char="•"/>
             </a:pPr>
             <a:r>
-              <a:rPr lang="en-US" dirty="0"/>
+              <a:rPr lang="en-US" dirty="0">
+                <a:latin typeface="Times New Roman" panose="02020603050405020304" pitchFamily="18" charset="0"/>
+                <a:cs typeface="Times New Roman" panose="02020603050405020304" pitchFamily="18" charset="0"/>
+              </a:rPr>
               <a:t>Classifier Learning</a:t>
             </a:r>
           </a:p>
@@ -6468,10 +6968,16 @@
               <a:buChar char="•"/>
             </a:pPr>
             <a:r>
-              <a:rPr lang="en-US" dirty="0"/>
+              <a:rPr lang="en-US" dirty="0">
+                <a:latin typeface="Times New Roman" panose="02020603050405020304" pitchFamily="18" charset="0"/>
+                <a:cs typeface="Times New Roman" panose="02020603050405020304" pitchFamily="18" charset="0"/>
+              </a:rPr>
               <a:t>Anomaly Detection</a:t>
             </a:r>
-            <a:endParaRPr lang="en-CY" dirty="0"/>
+            <a:endParaRPr lang="en-CY" dirty="0">
+              <a:latin typeface="Times New Roman" panose="02020603050405020304" pitchFamily="18" charset="0"/>
+              <a:cs typeface="Times New Roman" panose="02020603050405020304" pitchFamily="18" charset="0"/>
+            </a:endParaRPr>
           </a:p>
         </p:txBody>
       </p:sp>
@@ -6582,18 +7088,28 @@
             <p:ph type="title"/>
           </p:nvPr>
         </p:nvSpPr>
-        <p:spPr/>
-        <p:txBody>
-          <a:bodyPr>
-            <a:normAutofit fontScale="90000"/>
+        <p:spPr>
+          <a:xfrm>
+            <a:off x="609600" y="423354"/>
+            <a:ext cx="9835200" cy="413268"/>
+          </a:xfrm>
+        </p:spPr>
+        <p:txBody>
+          <a:bodyPr anchor="ctr">
+            <a:normAutofit/>
           </a:bodyPr>
           <a:lstStyle/>
           <a:p>
-            <a:r>
-              <a:rPr lang="en-US" dirty="0"/>
+            <a:pPr>
+              <a:lnSpc>
+                <a:spcPct val="90000"/>
+              </a:lnSpc>
+            </a:pPr>
+            <a:r>
+              <a:rPr lang="en-US" sz="2300"/>
               <a:t>Our Proposed IDS</a:t>
             </a:r>
-            <a:endParaRPr lang="en-CY" dirty="0"/>
+            <a:endParaRPr lang="en-CY" sz="2300"/>
           </a:p>
         </p:txBody>
       </p:sp>
@@ -6615,12 +7131,14 @@
         </p:nvSpPr>
         <p:spPr>
           <a:xfrm>
-            <a:off x="609607" y="1600201"/>
-            <a:ext cx="5380228" cy="4525963"/>
-          </a:xfrm>
-        </p:spPr>
-        <p:txBody>
-          <a:bodyPr/>
+            <a:off x="609600" y="1600201"/>
+            <a:ext cx="6010571" cy="4525963"/>
+          </a:xfrm>
+        </p:spPr>
+        <p:txBody>
+          <a:bodyPr>
+            <a:normAutofit/>
+          </a:bodyPr>
           <a:lstStyle/>
           <a:p>
             <a:pPr marL="342900" indent="-342900">
@@ -6628,7 +7146,10 @@
               <a:buChar char="•"/>
             </a:pPr>
             <a:r>
-              <a:rPr lang="en-US" dirty="0"/>
+              <a:rPr lang="en-US" dirty="0">
+                <a:latin typeface="Times New Roman" panose="02020603050405020304" pitchFamily="18" charset="0"/>
+                <a:cs typeface="Times New Roman" panose="02020603050405020304" pitchFamily="18" charset="0"/>
+              </a:rPr>
               <a:t>Capture Data Traffic</a:t>
             </a:r>
           </a:p>
@@ -6638,7 +7159,10 @@
               <a:buChar char="•"/>
             </a:pPr>
             <a:r>
-              <a:rPr lang="en-US" dirty="0"/>
+              <a:rPr lang="en-US" dirty="0">
+                <a:latin typeface="Times New Roman" panose="02020603050405020304" pitchFamily="18" charset="0"/>
+                <a:cs typeface="Times New Roman" panose="02020603050405020304" pitchFamily="18" charset="0"/>
+              </a:rPr>
               <a:t>Clean Data Traffic</a:t>
             </a:r>
           </a:p>
@@ -6648,7 +7172,10 @@
               <a:buChar char="•"/>
             </a:pPr>
             <a:r>
-              <a:rPr lang="en-US" dirty="0"/>
+              <a:rPr lang="en-US" dirty="0">
+                <a:latin typeface="Times New Roman" panose="02020603050405020304" pitchFamily="18" charset="0"/>
+                <a:cs typeface="Times New Roman" panose="02020603050405020304" pitchFamily="18" charset="0"/>
+              </a:rPr>
               <a:t>Process Data Traffic</a:t>
             </a:r>
           </a:p>
@@ -6658,7 +7185,10 @@
               <a:buChar char="•"/>
             </a:pPr>
             <a:r>
-              <a:rPr lang="en-US" dirty="0"/>
+              <a:rPr lang="en-US" dirty="0">
+                <a:latin typeface="Times New Roman" panose="02020603050405020304" pitchFamily="18" charset="0"/>
+                <a:cs typeface="Times New Roman" panose="02020603050405020304" pitchFamily="18" charset="0"/>
+              </a:rPr>
               <a:t>Feature Selection</a:t>
             </a:r>
           </a:p>
@@ -6668,7 +7198,10 @@
               <a:buChar char="•"/>
             </a:pPr>
             <a:r>
-              <a:rPr lang="en-US" dirty="0"/>
+              <a:rPr lang="en-US" dirty="0">
+                <a:latin typeface="Times New Roman" panose="02020603050405020304" pitchFamily="18" charset="0"/>
+                <a:cs typeface="Times New Roman" panose="02020603050405020304" pitchFamily="18" charset="0"/>
+              </a:rPr>
               <a:t>Resample</a:t>
             </a:r>
           </a:p>
@@ -6678,7 +7211,10 @@
               <a:buChar char="•"/>
             </a:pPr>
             <a:r>
-              <a:rPr lang="en-US" dirty="0"/>
+              <a:rPr lang="en-US" dirty="0">
+                <a:latin typeface="Times New Roman" panose="02020603050405020304" pitchFamily="18" charset="0"/>
+                <a:cs typeface="Times New Roman" panose="02020603050405020304" pitchFamily="18" charset="0"/>
+              </a:rPr>
               <a:t>Classifier Learning</a:t>
             </a:r>
           </a:p>
@@ -6688,10 +7224,29 @@
               <a:buChar char="•"/>
             </a:pPr>
             <a:r>
-              <a:rPr lang="en-US" dirty="0"/>
-              <a:t>Anomaly Detection</a:t>
-            </a:r>
-            <a:endParaRPr lang="en-CY" dirty="0"/>
+              <a:rPr lang="en-US" dirty="0">
+                <a:latin typeface="Times New Roman" panose="02020603050405020304" pitchFamily="18" charset="0"/>
+                <a:cs typeface="Times New Roman" panose="02020603050405020304" pitchFamily="18" charset="0"/>
+              </a:rPr>
+              <a:t>Intrusion Detection</a:t>
+            </a:r>
+          </a:p>
+          <a:p>
+            <a:pPr marL="342900" indent="-342900">
+              <a:buFont typeface="Arial" panose="020B0604020202020204" pitchFamily="34" charset="0"/>
+              <a:buChar char="•"/>
+            </a:pPr>
+            <a:r>
+              <a:rPr lang="en-US" dirty="0">
+                <a:latin typeface="Times New Roman" panose="02020603050405020304" pitchFamily="18" charset="0"/>
+                <a:cs typeface="Times New Roman" panose="02020603050405020304" pitchFamily="18" charset="0"/>
+              </a:rPr>
+              <a:t>Take actions (e.g., update flow-based tables) </a:t>
+            </a:r>
+            <a:endParaRPr lang="en-CY" dirty="0">
+              <a:latin typeface="Times New Roman" panose="02020603050405020304" pitchFamily="18" charset="0"/>
+              <a:cs typeface="Times New Roman" panose="02020603050405020304" pitchFamily="18" charset="0"/>
+            </a:endParaRPr>
           </a:p>
         </p:txBody>
       </p:sp>
@@ -6711,23 +7266,37 @@
             <p:ph type="body" sz="quarter" idx="13"/>
           </p:nvPr>
         </p:nvSpPr>
-        <p:spPr/>
+        <p:spPr>
+          <a:xfrm>
+            <a:off x="609600" y="936626"/>
+            <a:ext cx="11095256" cy="384175"/>
+          </a:xfrm>
+        </p:spPr>
         <p:txBody>
           <a:bodyPr>
-            <a:normAutofit lnSpcReduction="10000"/>
+            <a:normAutofit/>
           </a:bodyPr>
           <a:lstStyle/>
           <a:p>
+            <a:pPr>
+              <a:lnSpc>
+                <a:spcPct val="90000"/>
+              </a:lnSpc>
+            </a:pPr>
+            <a:r>
+              <a:rPr lang="en-GB" dirty="0"/>
+              <a:t>SDN_IDS Architecture </a:t>
+            </a:r>
             <a:endParaRPr lang="en-CY"/>
           </a:p>
         </p:txBody>
       </p:sp>
       <p:pic>
         <p:nvPicPr>
-          <p:cNvPr id="6" name="Picture 5" descr="A diagram of a data processing process&#10;&#10;Description automatically generated">
+          <p:cNvPr id="9" name="Picture 8" descr="A diagram of a data processing process&#10;&#10;Description automatically generated">
             <a:extLst>
               <a:ext uri="{FF2B5EF4-FFF2-40B4-BE49-F238E27FC236}">
-                <a16:creationId xmlns:a16="http://schemas.microsoft.com/office/drawing/2014/main" id="{45EEC1E6-9EBB-B1D8-D7A8-ED83F089CE1B}"/>
+                <a16:creationId xmlns:a16="http://schemas.microsoft.com/office/drawing/2014/main" id="{84269947-9428-FE87-7BD5-296002E99219}"/>
               </a:ext>
             </a:extLst>
           </p:cNvPr>
@@ -6750,12 +7319,13 @@
         </p:blipFill>
         <p:spPr>
           <a:xfrm>
-            <a:off x="6390526" y="1509881"/>
-            <a:ext cx="3852809" cy="4534089"/>
+            <a:off x="7358050" y="1600201"/>
+            <a:ext cx="3847068" cy="4525963"/>
           </a:xfrm>
           <a:prstGeom prst="rect">
             <a:avLst/>
           </a:prstGeom>
+          <a:noFill/>
         </p:spPr>
       </p:pic>
     </p:spTree>
@@ -6837,14 +7407,71 @@
         </p:nvSpPr>
         <p:spPr/>
         <p:txBody>
-          <a:bodyPr/>
+          <a:bodyPr>
+            <a:normAutofit/>
+          </a:bodyPr>
           <a:lstStyle/>
           <a:p>
             <a:pPr marL="342900" indent="-342900">
               <a:buFont typeface="Arial" panose="020B0604020202020204" pitchFamily="34" charset="0"/>
               <a:buChar char="•"/>
             </a:pPr>
-            <a:endParaRPr lang="en-CY" dirty="0"/>
+            <a:r>
+              <a:rPr lang="en-GB" sz="1800" dirty="0">
+                <a:latin typeface="Times New Roman" panose="02020603050405020304" pitchFamily="18" charset="0"/>
+                <a:cs typeface="Times New Roman" panose="02020603050405020304" pitchFamily="18" charset="0"/>
+              </a:rPr>
+              <a:t>Rawat et al. (2019), proposed an IDS for the detection and prevention of network attacks and threat in organizations. Used deep neural networks and unsupervised feature extraction (PCA) with the NSLKDD dataset. </a:t>
+            </a:r>
+          </a:p>
+          <a:p>
+            <a:pPr marL="342900" indent="-342900">
+              <a:buFont typeface="Arial" panose="020B0604020202020204" pitchFamily="34" charset="0"/>
+              <a:buChar char="•"/>
+            </a:pPr>
+            <a:r>
+              <a:rPr lang="en-GB" sz="1800" dirty="0">
+                <a:latin typeface="Times New Roman" panose="02020603050405020304" pitchFamily="18" charset="0"/>
+                <a:cs typeface="Times New Roman" panose="02020603050405020304" pitchFamily="18" charset="0"/>
+              </a:rPr>
+              <a:t>Tang et al. (2016), created an IDS using deep learning in an SDN environment using the NSLKDD dataset. </a:t>
+            </a:r>
+          </a:p>
+          <a:p>
+            <a:pPr marL="342900" indent="-342900">
+              <a:buFont typeface="Arial" panose="020B0604020202020204" pitchFamily="34" charset="0"/>
+              <a:buChar char="•"/>
+            </a:pPr>
+            <a:r>
+              <a:rPr lang="en-GB" sz="1800" dirty="0">
+                <a:latin typeface="Times New Roman" panose="02020603050405020304" pitchFamily="18" charset="0"/>
+                <a:cs typeface="Times New Roman" panose="02020603050405020304" pitchFamily="18" charset="0"/>
+              </a:rPr>
+              <a:t>Satheesh et al. (2020), presented an IDS that uses different ML algorithms, a feature selection algorithm that reduce the features of the NSLKDD dataset. Finally they created a test-bed using the MININET framework and Floodlight controller.</a:t>
+            </a:r>
+          </a:p>
+          <a:p>
+            <a:pPr marL="342900" indent="-342900">
+              <a:buFont typeface="Arial" panose="020B0604020202020204" pitchFamily="34" charset="0"/>
+              <a:buChar char="•"/>
+            </a:pPr>
+            <a:r>
+              <a:rPr lang="en-GB" sz="1800" dirty="0">
+                <a:latin typeface="Times New Roman" panose="02020603050405020304" pitchFamily="18" charset="0"/>
+                <a:cs typeface="Times New Roman" panose="02020603050405020304" pitchFamily="18" charset="0"/>
+              </a:rPr>
+              <a:t>Peng et al. (2018), proposed an anomaly detection system. The controllers collect the flow table information and extract the flow features. Flow features are pre-processed and classification detection of the network flows is performed using K-NN algorithm. They also create a virtual SDN using MININET and Ryu controller and used data generated for training.  </a:t>
+            </a:r>
+          </a:p>
+          <a:p>
+            <a:pPr marL="342900" indent="-342900">
+              <a:buFont typeface="Arial" panose="020B0604020202020204" pitchFamily="34" charset="0"/>
+              <a:buChar char="•"/>
+            </a:pPr>
+            <a:endParaRPr lang="en-CY" sz="1800" dirty="0">
+              <a:latin typeface="Times New Roman" panose="02020603050405020304" pitchFamily="18" charset="0"/>
+              <a:cs typeface="Times New Roman" panose="02020603050405020304" pitchFamily="18" charset="0"/>
+            </a:endParaRPr>
           </a:p>
         </p:txBody>
       </p:sp>
@@ -6873,7 +7500,7 @@
           <a:p>
             <a:r>
               <a:rPr lang="en-US" dirty="0"/>
-              <a:t>SDN-IDS</a:t>
+              <a:t>Different SDN-IDS</a:t>
             </a:r>
             <a:endParaRPr lang="en-CY" dirty="0"/>
           </a:p>
@@ -6958,7 +7585,9 @@
         </p:nvSpPr>
         <p:spPr/>
         <p:txBody>
-          <a:bodyPr/>
+          <a:bodyPr>
+            <a:normAutofit/>
+          </a:bodyPr>
           <a:lstStyle/>
           <a:p>
             <a:pPr marL="342900" indent="-342900">
@@ -6966,8 +7595,11 @@
               <a:buChar char="•"/>
             </a:pPr>
             <a:r>
-              <a:rPr lang="en-US" dirty="0"/>
-              <a:t>Wani et al. (2020,5) Proposed an SDN-based IDS which uses deep learning classifiers to detect anomalies in IoT. IDS with 3 main components, an activity monitor, an activity analyzer and a classifier (LSTM, inside analyzer). Using the activity monitor the data traffic is captured and traffic statistics are computed. Activity analyzer uses the statistics to detect abnormal behavior. Furthermore, LSTMs are used for anomaly and attack detection.  Dataset used was CICIDS2018.</a:t>
+              <a:rPr lang="en-US" sz="1800" dirty="0">
+                <a:latin typeface="Times New Roman" panose="02020603050405020304" pitchFamily="18" charset="0"/>
+                <a:cs typeface="Times New Roman" panose="02020603050405020304" pitchFamily="18" charset="0"/>
+              </a:rPr>
+              <a:t>Wani et al. (2020,5),  proposed an SDN-based IDS which uses deep learning classifiers to detect anomalies in IoT. IDS with 3 main components, an activity monitor, an activity analyzer and a classifier (LSTM, inside analyzer). Using the activity monitor the data traffic is captured and traffic statistics are computed. Activity analyzer uses the statistics to detect abnormal behavior. Furthermore, LSTMs are used for anomaly and attack detection.  Dataset used was CICIDS2018.</a:t>
             </a:r>
           </a:p>
           <a:p>
@@ -6976,8 +7608,11 @@
               <a:buChar char="•"/>
             </a:pPr>
             <a:r>
-              <a:rPr lang="en-US" dirty="0"/>
-              <a:t>Muthanna et all (2022,6) Proposed a hybrid SDN framework using cuLSTMGRUs for threat detection in IoT environment. The same structure for the IDS was used. Dataset used was CICIDS2017.</a:t>
+              <a:rPr lang="en-US" sz="1800" dirty="0">
+                <a:latin typeface="Times New Roman" panose="02020603050405020304" pitchFamily="18" charset="0"/>
+                <a:cs typeface="Times New Roman" panose="02020603050405020304" pitchFamily="18" charset="0"/>
+              </a:rPr>
+              <a:t>Muthanna et al. (2022,6), proposed a hybrid SDN framework using cuLSTMGRUs for threat detection in IoT environment. The same structure for the IDS was used. Dataset used was CICIDS2017.</a:t>
             </a:r>
           </a:p>
           <a:p>
@@ -6985,7 +7620,36 @@
               <a:buFont typeface="Arial" panose="020B0604020202020204" pitchFamily="34" charset="0"/>
               <a:buChar char="•"/>
             </a:pPr>
-            <a:endParaRPr lang="en-CY" dirty="0"/>
+            <a:r>
+              <a:rPr lang="en-US" sz="1800" dirty="0">
+                <a:latin typeface="Times New Roman" panose="02020603050405020304" pitchFamily="18" charset="0"/>
+                <a:cs typeface="Times New Roman" panose="02020603050405020304" pitchFamily="18" charset="0"/>
+              </a:rPr>
+              <a:t>Ashraf et al. (2021,1), created an ML-SDN based IoT anomaly detection scheme. They used UNSW-NB15 and ISCX datasets.  They select some features from the datasets, applied some pre-processing and then trained SVM, K-NN and MLP classifiers. They implemented the model using the MININET emulator and the Ryu SDN controller. </a:t>
+            </a:r>
+          </a:p>
+          <a:p>
+            <a:pPr marL="342900" indent="-342900">
+              <a:buFont typeface="Arial" panose="020B0604020202020204" pitchFamily="34" charset="0"/>
+              <a:buChar char="•"/>
+            </a:pPr>
+            <a:r>
+              <a:rPr lang="en-US" sz="1800" dirty="0">
+                <a:latin typeface="Times New Roman" panose="02020603050405020304" pitchFamily="18" charset="0"/>
+                <a:cs typeface="Times New Roman" panose="02020603050405020304" pitchFamily="18" charset="0"/>
+              </a:rPr>
+              <a:t>Tsogbaatar et al. (2020) </a:t>
+            </a:r>
+          </a:p>
+          <a:p>
+            <a:pPr marL="342900" indent="-342900">
+              <a:buFont typeface="Arial" panose="020B0604020202020204" pitchFamily="34" charset="0"/>
+              <a:buChar char="•"/>
+            </a:pPr>
+            <a:endParaRPr lang="en-CY" sz="1800" dirty="0">
+              <a:latin typeface="Times New Roman" panose="02020603050405020304" pitchFamily="18" charset="0"/>
+              <a:cs typeface="Times New Roman" panose="02020603050405020304" pitchFamily="18" charset="0"/>
+            </a:endParaRPr>
           </a:p>
         </p:txBody>
       </p:sp>
@@ -7014,7 +7678,7 @@
           <a:p>
             <a:r>
               <a:rPr lang="en-US" dirty="0"/>
-              <a:t>SDNIoT-IDS</a:t>
+              <a:t>Different SDNIoT-IDS</a:t>
             </a:r>
             <a:endParaRPr lang="en-CY" dirty="0"/>
           </a:p>
@@ -7024,6 +7688,213 @@
     <p:extLst>
       <p:ext uri="{BB962C8B-B14F-4D97-AF65-F5344CB8AC3E}">
         <p14:creationId xmlns:p14="http://schemas.microsoft.com/office/powerpoint/2010/main" val="506051042"/>
+      </p:ext>
+    </p:extLst>
+  </p:cSld>
+  <p:clrMapOvr>
+    <a:masterClrMapping/>
+  </p:clrMapOvr>
+</p:sld>
+</file>
+
+<file path=ppt/slides/slide7.xml><?xml version="1.0" encoding="utf-8"?>
+<p:sld xmlns:a="http://schemas.openxmlformats.org/drawingml/2006/main" xmlns:r="http://schemas.openxmlformats.org/officeDocument/2006/relationships" xmlns:p="http://schemas.openxmlformats.org/presentationml/2006/main">
+  <p:cSld>
+    <p:spTree>
+      <p:nvGrpSpPr>
+        <p:cNvPr id="1" name=""/>
+        <p:cNvGrpSpPr/>
+        <p:nvPr/>
+      </p:nvGrpSpPr>
+      <p:grpSpPr>
+        <a:xfrm>
+          <a:off x="0" y="0"/>
+          <a:ext cx="0" cy="0"/>
+          <a:chOff x="0" y="0"/>
+          <a:chExt cx="0" cy="0"/>
+        </a:xfrm>
+      </p:grpSpPr>
+      <p:sp>
+        <p:nvSpPr>
+          <p:cNvPr id="2" name="Title 1">
+            <a:extLst>
+              <a:ext uri="{FF2B5EF4-FFF2-40B4-BE49-F238E27FC236}">
+                <a16:creationId xmlns:a16="http://schemas.microsoft.com/office/drawing/2014/main" id="{E5E5AE1D-0474-C891-9E17-E55155EDBB03}"/>
+              </a:ext>
+            </a:extLst>
+          </p:cNvPr>
+          <p:cNvSpPr>
+            <a:spLocks noGrp="1"/>
+          </p:cNvSpPr>
+          <p:nvPr>
+            <p:ph type="title"/>
+          </p:nvPr>
+        </p:nvSpPr>
+        <p:spPr/>
+        <p:txBody>
+          <a:bodyPr>
+            <a:normAutofit fontScale="90000"/>
+          </a:bodyPr>
+          <a:lstStyle/>
+          <a:p>
+            <a:r>
+              <a:rPr lang="en-GB" dirty="0"/>
+              <a:t>ITU Paper</a:t>
+            </a:r>
+          </a:p>
+        </p:txBody>
+      </p:sp>
+      <p:sp>
+        <p:nvSpPr>
+          <p:cNvPr id="3" name="Content Placeholder 2">
+            <a:extLst>
+              <a:ext uri="{FF2B5EF4-FFF2-40B4-BE49-F238E27FC236}">
+                <a16:creationId xmlns:a16="http://schemas.microsoft.com/office/drawing/2014/main" id="{0DE36206-C095-8FA9-B29D-F80324CAB782}"/>
+              </a:ext>
+            </a:extLst>
+          </p:cNvPr>
+          <p:cNvSpPr>
+            <a:spLocks noGrp="1"/>
+          </p:cNvSpPr>
+          <p:nvPr>
+            <p:ph idx="1"/>
+          </p:nvPr>
+        </p:nvSpPr>
+        <p:spPr/>
+        <p:txBody>
+          <a:bodyPr/>
+          <a:lstStyle/>
+          <a:p>
+            <a:pPr marL="457200" indent="-457200">
+              <a:buFont typeface="+mj-lt"/>
+              <a:buAutoNum type="arabicPeriod"/>
+            </a:pPr>
+            <a:r>
+              <a:rPr lang="en-GB" dirty="0">
+                <a:latin typeface="Times New Roman" panose="02020603050405020304" pitchFamily="18" charset="0"/>
+                <a:cs typeface="Times New Roman" panose="02020603050405020304" pitchFamily="18" charset="0"/>
+              </a:rPr>
+              <a:t>SDN architecture</a:t>
+            </a:r>
+          </a:p>
+          <a:p>
+            <a:pPr marL="457200" indent="-457200">
+              <a:buFont typeface="+mj-lt"/>
+              <a:buAutoNum type="arabicPeriod"/>
+            </a:pPr>
+            <a:r>
+              <a:rPr lang="en-GB" dirty="0">
+                <a:latin typeface="Times New Roman" panose="02020603050405020304" pitchFamily="18" charset="0"/>
+                <a:cs typeface="Times New Roman" panose="02020603050405020304" pitchFamily="18" charset="0"/>
+              </a:rPr>
+              <a:t>IDS architecture </a:t>
+            </a:r>
+          </a:p>
+          <a:p>
+            <a:pPr marL="457200" indent="-457200">
+              <a:buFont typeface="+mj-lt"/>
+              <a:buAutoNum type="arabicPeriod"/>
+            </a:pPr>
+            <a:r>
+              <a:rPr lang="en-GB" dirty="0">
+                <a:latin typeface="Times New Roman" panose="02020603050405020304" pitchFamily="18" charset="0"/>
+                <a:cs typeface="Times New Roman" panose="02020603050405020304" pitchFamily="18" charset="0"/>
+              </a:rPr>
+              <a:t>Literature review </a:t>
+            </a:r>
+          </a:p>
+          <a:p>
+            <a:pPr marL="457200" indent="-457200">
+              <a:buFont typeface="+mj-lt"/>
+              <a:buAutoNum type="arabicPeriod"/>
+            </a:pPr>
+            <a:r>
+              <a:rPr lang="en-GB" dirty="0">
+                <a:latin typeface="Times New Roman" panose="02020603050405020304" pitchFamily="18" charset="0"/>
+                <a:cs typeface="Times New Roman" panose="02020603050405020304" pitchFamily="18" charset="0"/>
+              </a:rPr>
+              <a:t>Future work: </a:t>
+            </a:r>
+          </a:p>
+          <a:p>
+            <a:pPr marL="1447775" lvl="1" indent="-457200">
+              <a:buFont typeface="+mj-lt"/>
+              <a:buAutoNum type="arabicPeriod"/>
+            </a:pPr>
+            <a:r>
+              <a:rPr lang="en-GB" dirty="0">
+                <a:latin typeface="Times New Roman" panose="02020603050405020304" pitchFamily="18" charset="0"/>
+                <a:cs typeface="Times New Roman" panose="02020603050405020304" pitchFamily="18" charset="0"/>
+              </a:rPr>
+              <a:t>Test our solution in a testbed.</a:t>
+            </a:r>
+          </a:p>
+        </p:txBody>
+      </p:sp>
+      <p:sp>
+        <p:nvSpPr>
+          <p:cNvPr id="4" name="Text Placeholder 3">
+            <a:extLst>
+              <a:ext uri="{FF2B5EF4-FFF2-40B4-BE49-F238E27FC236}">
+                <a16:creationId xmlns:a16="http://schemas.microsoft.com/office/drawing/2014/main" id="{BC27AEED-85EC-BA1B-CBE6-65D195F48983}"/>
+              </a:ext>
+            </a:extLst>
+          </p:cNvPr>
+          <p:cNvSpPr>
+            <a:spLocks noGrp="1"/>
+          </p:cNvSpPr>
+          <p:nvPr>
+            <p:ph type="body" sz="quarter" idx="13"/>
+          </p:nvPr>
+        </p:nvSpPr>
+        <p:spPr/>
+        <p:txBody>
+          <a:bodyPr>
+            <a:normAutofit lnSpcReduction="10000"/>
+          </a:bodyPr>
+          <a:lstStyle/>
+          <a:p>
+            <a:r>
+              <a:rPr lang="en-GB" dirty="0"/>
+              <a:t>What needs to be appended. </a:t>
+            </a:r>
+          </a:p>
+        </p:txBody>
+      </p:sp>
+    </p:spTree>
+    <p:extLst>
+      <p:ext uri="{BB962C8B-B14F-4D97-AF65-F5344CB8AC3E}">
+        <p14:creationId xmlns:p14="http://schemas.microsoft.com/office/powerpoint/2010/main" val="69243448"/>
+      </p:ext>
+    </p:extLst>
+  </p:cSld>
+  <p:clrMapOvr>
+    <a:masterClrMapping/>
+  </p:clrMapOvr>
+</p:sld>
+</file>
+
+<file path=ppt/slides/slide8.xml><?xml version="1.0" encoding="utf-8"?>
+<p:sld xmlns:a="http://schemas.openxmlformats.org/drawingml/2006/main" xmlns:r="http://schemas.openxmlformats.org/officeDocument/2006/relationships" xmlns:p="http://schemas.openxmlformats.org/presentationml/2006/main">
+  <p:cSld>
+    <p:spTree>
+      <p:nvGrpSpPr>
+        <p:cNvPr id="1" name=""/>
+        <p:cNvGrpSpPr/>
+        <p:nvPr/>
+      </p:nvGrpSpPr>
+      <p:grpSpPr>
+        <a:xfrm>
+          <a:off x="0" y="0"/>
+          <a:ext cx="0" cy="0"/>
+          <a:chOff x="0" y="0"/>
+          <a:chExt cx="0" cy="0"/>
+        </a:xfrm>
+      </p:grpSpPr>
+    </p:spTree>
+    <p:extLst>
+      <p:ext uri="{BB962C8B-B14F-4D97-AF65-F5344CB8AC3E}">
+        <p14:creationId xmlns:p14="http://schemas.microsoft.com/office/powerpoint/2010/main" val="3907974851"/>
       </p:ext>
     </p:extLst>
   </p:cSld>
